--- a/WeLASER - SUMMER SCHOOL.pptx
+++ b/WeLASER - SUMMER SCHOOL.pptx
@@ -5,7 +5,7 @@
     <p:sldMasterId id="2147483672" r:id="rId1"/>
   </p:sldMasterIdLst>
   <p:notesMasterIdLst>
-    <p:notesMasterId r:id="rId39"/>
+    <p:notesMasterId r:id="rId40"/>
   </p:notesMasterIdLst>
   <p:sldIdLst>
     <p:sldId id="266" r:id="rId2"/>
@@ -45,6 +45,7 @@
     <p:sldId id="282" r:id="rId36"/>
     <p:sldId id="1025" r:id="rId37"/>
     <p:sldId id="274" r:id="rId38"/>
+    <p:sldId id="1118" r:id="rId39"/>
   </p:sldIdLst>
   <p:sldSz cx="10691813" cy="7559675"/>
   <p:notesSz cx="6858000" cy="9144000"/>
@@ -185,12 +186,16 @@
             <p14:sldId id="282"/>
             <p14:sldId id="1025"/>
             <p14:sldId id="274"/>
+            <p14:sldId id="1118"/>
           </p14:sldIdLst>
         </p14:section>
       </p14:sectionLst>
     </p:ext>
     <p:ext uri="{EFAFB233-063F-42B5-8137-9DF3F51BA10A}">
       <p15:sldGuideLst xmlns:p15="http://schemas.microsoft.com/office/powerpoint/2012/main"/>
+    </p:ext>
+    <p:ext uri="{2D200454-40CA-4A62-9FC3-DE9A4176ACB9}">
+      <p15:notesGuideLst xmlns:p15="http://schemas.microsoft.com/office/powerpoint/2012/main"/>
     </p:ext>
   </p:extLst>
 </p:presentation>
@@ -5631,10 +5636,9 @@
           <a:lstStyle/>
           <a:p>
             <a:r>
-              <a:rPr lang="it-IT" dirty="0"/>
+              <a:rPr lang="en-US" dirty="0"/>
               <a:t>Cloud Computing</a:t>
             </a:r>
-            <a:endParaRPr lang="en-US" dirty="0"/>
           </a:p>
         </p:txBody>
       </p:sp>
@@ -5749,7 +5753,7 @@
           <a:bodyPr/>
           <a:lstStyle/>
           <a:p>
-            <a:endParaRPr lang="en-US"/>
+            <a:endParaRPr lang="en-US" dirty="0"/>
           </a:p>
         </p:txBody>
       </p:sp>
@@ -9747,7 +9751,7 @@
           <a:bodyPr/>
           <a:lstStyle/>
           <a:p>
-            <a:endParaRPr lang="en-US"/>
+            <a:endParaRPr lang="en-US" dirty="0"/>
           </a:p>
         </p:txBody>
       </p:sp>
@@ -9886,10 +9890,9 @@
           <a:lstStyle/>
           <a:p>
             <a:r>
-              <a:rPr lang="it-IT" dirty="0"/>
+              <a:rPr lang="en-US" dirty="0"/>
               <a:t>Cloud in WeLASER</a:t>
             </a:r>
-            <a:endParaRPr lang="en-US" dirty="0"/>
           </a:p>
         </p:txBody>
       </p:sp>
@@ -9970,10 +9973,9 @@
           <a:lstStyle/>
           <a:p>
             <a:r>
-              <a:rPr lang="en-US"/>
+              <a:rPr lang="en-US" dirty="0"/>
               <a:t>WeLASER</a:t>
             </a:r>
-            <a:endParaRPr lang="en-US" dirty="0"/>
           </a:p>
         </p:txBody>
       </p:sp>
@@ -10279,7 +10281,7 @@
               </a:rPr>
               <a:t>The architecture entails three networks</a:t>
             </a:r>
-            <a:endParaRPr lang="en-GB" sz="2400" b="0" strike="noStrike" spc="-1" dirty="0">
+            <a:endParaRPr lang="en-US" sz="2400" b="0" strike="noStrike" spc="-1" dirty="0">
               <a:latin typeface="Arial"/>
             </a:endParaRPr>
           </a:p>
@@ -10306,7 +10308,7 @@
               </a:rPr>
               <a:t>A wi-fi mesh necessary for exchanging data between the field nodes</a:t>
             </a:r>
-            <a:endParaRPr lang="en-GB" sz="2000" b="0" strike="noStrike" spc="-1" dirty="0">
+            <a:endParaRPr lang="en-US" sz="2000" b="0" strike="noStrike" spc="-1" dirty="0">
               <a:latin typeface="Arial"/>
             </a:endParaRPr>
           </a:p>
@@ -10333,7 +10335,7 @@
               </a:rPr>
               <a:t>Wi-fi mesh wakes up after receiving events from the e-fence</a:t>
             </a:r>
-            <a:endParaRPr lang="en-GB" sz="1800" b="0" strike="noStrike" spc="-1" dirty="0">
+            <a:endParaRPr lang="en-US" sz="1800" b="0" strike="noStrike" spc="-1" dirty="0">
               <a:latin typeface="Arial"/>
             </a:endParaRPr>
           </a:p>
@@ -10360,7 +10362,7 @@
               </a:rPr>
               <a:t>A wi-fi router on the robot connected to the internet </a:t>
             </a:r>
-            <a:endParaRPr lang="en-GB" sz="2000" b="0" strike="noStrike" spc="-1" dirty="0">
+            <a:endParaRPr lang="en-US" sz="2000" b="0" strike="noStrike" spc="-1" dirty="0">
               <a:latin typeface="Arial"/>
             </a:endParaRPr>
           </a:p>
@@ -10387,7 +10389,7 @@
               </a:rPr>
               <a:t>Always turned on</a:t>
             </a:r>
-            <a:endParaRPr lang="en-GB" sz="1800" b="0" strike="noStrike" spc="-1" dirty="0">
+            <a:endParaRPr lang="en-US" sz="1800" b="0" strike="noStrike" spc="-1" dirty="0">
               <a:latin typeface="Arial"/>
             </a:endParaRPr>
           </a:p>
@@ -10414,7 +10416,7 @@
               </a:rPr>
               <a:t>A SIM card on the HMI</a:t>
             </a:r>
-            <a:endParaRPr lang="en-GB" sz="2000" b="0" strike="noStrike" spc="-1" dirty="0">
+            <a:endParaRPr lang="en-US" sz="2000" b="0" strike="noStrike" spc="-1" dirty="0">
               <a:latin typeface="Arial"/>
             </a:endParaRPr>
           </a:p>
@@ -10457,7 +10459,7 @@
               </a:rPr>
               <a:t>Network and Data Collection</a:t>
             </a:r>
-            <a:endParaRPr lang="en-GB" b="0" spc="-1" dirty="0">
+            <a:endParaRPr lang="en-US" b="0" spc="-1" dirty="0">
               <a:latin typeface="Arial"/>
             </a:endParaRPr>
           </a:p>
@@ -14162,10 +14164,9 @@
           <a:lstStyle/>
           <a:p>
             <a:r>
-              <a:rPr lang="it-IT" dirty="0"/>
+              <a:rPr lang="en-US" dirty="0"/>
               <a:t>Background</a:t>
             </a:r>
-            <a:endParaRPr lang="en-US" dirty="0"/>
           </a:p>
         </p:txBody>
       </p:sp>
@@ -14716,11 +14717,6 @@
               </a:rPr>
               <a:t>}</a:t>
             </a:r>
-            <a:endParaRPr lang="en-GB" sz="1579" dirty="0">
-              <a:solidFill>
-                <a:srgbClr val="FF5050"/>
-              </a:solidFill>
-            </a:endParaRPr>
           </a:p>
           <a:p>
             <a:pPr lvl="1"/>
@@ -14728,7 +14724,6 @@
               <a:rPr lang="en-US" sz="1228" dirty="0"/>
               <a:t>retrieve an attribute’s data</a:t>
             </a:r>
-            <a:endParaRPr lang="en-GB" sz="1228" dirty="0"/>
           </a:p>
           <a:p>
             <a:r>
@@ -14787,11 +14782,6 @@
               </a:rPr>
               <a:t>}</a:t>
             </a:r>
-            <a:endParaRPr lang="en-GB" sz="1579" dirty="0">
-              <a:solidFill>
-                <a:srgbClr val="FF5050"/>
-              </a:solidFill>
-            </a:endParaRPr>
           </a:p>
           <a:p>
             <a:pPr lvl="1"/>
@@ -14799,7 +14789,6 @@
               <a:rPr lang="en-US" sz="1228" dirty="0"/>
               <a:t>updates an attribute’s data</a:t>
             </a:r>
-            <a:endParaRPr lang="en-GB" sz="1228" dirty="0"/>
           </a:p>
           <a:p>
             <a:r>
@@ -14858,11 +14847,6 @@
               </a:rPr>
               <a:t>}</a:t>
             </a:r>
-            <a:endParaRPr lang="en-GB" sz="1579" dirty="0">
-              <a:solidFill>
-                <a:srgbClr val="FF5050"/>
-              </a:solidFill>
-            </a:endParaRPr>
           </a:p>
           <a:p>
             <a:pPr lvl="1"/>
@@ -14870,7 +14854,6 @@
               <a:rPr lang="en-US" sz="1228" dirty="0"/>
               <a:t>deletes an attribute</a:t>
             </a:r>
-            <a:endParaRPr lang="en-GB" sz="1228" dirty="0"/>
           </a:p>
           <a:p>
             <a:r>
@@ -14929,11 +14912,6 @@
               </a:rPr>
               <a:t>}/value</a:t>
             </a:r>
-            <a:endParaRPr lang="en-GB" sz="1579" dirty="0">
-              <a:solidFill>
-                <a:srgbClr val="FF5050"/>
-              </a:solidFill>
-            </a:endParaRPr>
           </a:p>
           <a:p>
             <a:pPr lvl="1"/>
@@ -14941,7 +14919,6 @@
               <a:rPr lang="en-US" sz="1228" dirty="0"/>
               <a:t>retrieves an attribute’s value</a:t>
             </a:r>
-            <a:endParaRPr lang="en-GB" sz="1228" dirty="0"/>
           </a:p>
           <a:p>
             <a:r>
@@ -15000,11 +14977,6 @@
               </a:rPr>
               <a:t>}/value</a:t>
             </a:r>
-            <a:endParaRPr lang="en-GB" sz="1579" dirty="0">
-              <a:solidFill>
-                <a:srgbClr val="FF5050"/>
-              </a:solidFill>
-            </a:endParaRPr>
           </a:p>
           <a:p>
             <a:pPr lvl="1"/>
@@ -15012,7 +14984,6 @@
               <a:rPr lang="en-US" sz="1228" dirty="0"/>
               <a:t>updates an attribute’s value</a:t>
             </a:r>
-            <a:endParaRPr lang="en-GB" sz="1228" dirty="0"/>
           </a:p>
         </p:txBody>
       </p:sp>
@@ -15156,11 +15127,6 @@
               </a:rPr>
               <a:t>}</a:t>
             </a:r>
-            <a:endParaRPr lang="en-GB" sz="1579" dirty="0">
-              <a:solidFill>
-                <a:srgbClr val="FF5050"/>
-              </a:solidFill>
-            </a:endParaRPr>
           </a:p>
           <a:p>
             <a:pPr lvl="1"/>
@@ -15168,7 +15134,6 @@
               <a:rPr lang="en-US" sz="1228" dirty="0"/>
               <a:t>retrieve an attribute’s data</a:t>
             </a:r>
-            <a:endParaRPr lang="en-GB" sz="1228" dirty="0"/>
           </a:p>
           <a:p>
             <a:r>
@@ -15227,11 +15192,6 @@
               </a:rPr>
               <a:t>}</a:t>
             </a:r>
-            <a:endParaRPr lang="en-GB" sz="1579" dirty="0">
-              <a:solidFill>
-                <a:srgbClr val="FF5050"/>
-              </a:solidFill>
-            </a:endParaRPr>
           </a:p>
           <a:p>
             <a:pPr lvl="1"/>
@@ -15239,7 +15199,6 @@
               <a:rPr lang="en-US" sz="1228" dirty="0"/>
               <a:t>updates an attribute’s data</a:t>
             </a:r>
-            <a:endParaRPr lang="en-GB" sz="1228" dirty="0"/>
           </a:p>
           <a:p>
             <a:r>
@@ -15298,11 +15257,6 @@
               </a:rPr>
               <a:t>}</a:t>
             </a:r>
-            <a:endParaRPr lang="en-GB" sz="1579" dirty="0">
-              <a:solidFill>
-                <a:srgbClr val="FF5050"/>
-              </a:solidFill>
-            </a:endParaRPr>
           </a:p>
           <a:p>
             <a:pPr lvl="1"/>
@@ -15310,7 +15264,6 @@
               <a:rPr lang="en-US" sz="1228" dirty="0"/>
               <a:t>deletes an attribute</a:t>
             </a:r>
-            <a:endParaRPr lang="en-GB" sz="1228" dirty="0"/>
           </a:p>
           <a:p>
             <a:r>
@@ -15369,11 +15322,6 @@
               </a:rPr>
               <a:t>}/value</a:t>
             </a:r>
-            <a:endParaRPr lang="en-GB" sz="1579" dirty="0">
-              <a:solidFill>
-                <a:srgbClr val="FF5050"/>
-              </a:solidFill>
-            </a:endParaRPr>
           </a:p>
           <a:p>
             <a:pPr lvl="1"/>
@@ -15381,7 +15329,6 @@
               <a:rPr lang="en-US" sz="1228" dirty="0"/>
               <a:t>retrieves an attribute’s value</a:t>
             </a:r>
-            <a:endParaRPr lang="en-GB" sz="1228" dirty="0"/>
           </a:p>
           <a:p>
             <a:r>
@@ -15440,11 +15387,6 @@
               </a:rPr>
               <a:t>}/value</a:t>
             </a:r>
-            <a:endParaRPr lang="en-GB" sz="1579" dirty="0">
-              <a:solidFill>
-                <a:srgbClr val="FF5050"/>
-              </a:solidFill>
-            </a:endParaRPr>
           </a:p>
           <a:p>
             <a:pPr lvl="1"/>
@@ -15452,7 +15394,6 @@
               <a:rPr lang="en-US" sz="1228" dirty="0"/>
               <a:t>updates an attribute’s value</a:t>
             </a:r>
-            <a:endParaRPr lang="en-GB" sz="1228" dirty="0"/>
           </a:p>
         </p:txBody>
       </p:sp>
@@ -15749,7 +15690,7 @@
               </a:rPr>
               <a:t>Visual dashboard</a:t>
             </a:r>
-            <a:endParaRPr lang="en-GB" sz="2000" b="0" strike="noStrike" spc="-1" dirty="0">
+            <a:endParaRPr lang="en-US" sz="2000" b="0" strike="noStrike" spc="-1" dirty="0">
               <a:latin typeface="Arial"/>
             </a:endParaRPr>
           </a:p>
@@ -15776,7 +15717,7 @@
               </a:rPr>
               <a:t>A graphical user interface which provides at-a-glance views of key performance indicators (KPIs)</a:t>
             </a:r>
-            <a:endParaRPr lang="en-GB" sz="1800" b="0" strike="noStrike" spc="-1" dirty="0">
+            <a:endParaRPr lang="en-US" sz="1800" b="0" strike="noStrike" spc="-1" dirty="0">
               <a:latin typeface="Arial"/>
             </a:endParaRPr>
           </a:p>
@@ -15803,7 +15744,7 @@
               </a:rPr>
               <a:t>Real-time and historical data</a:t>
             </a:r>
-            <a:endParaRPr lang="en-GB" sz="1800" b="0" strike="noStrike" spc="-1" dirty="0">
+            <a:endParaRPr lang="en-US" sz="1800" b="0" strike="noStrike" spc="-1" dirty="0">
               <a:latin typeface="Arial"/>
             </a:endParaRPr>
           </a:p>
@@ -15831,7 +15772,7 @@
               <a:t>Operator interface</a:t>
             </a:r>
             <a:br>
-              <a:rPr dirty="0"/>
+              <a:rPr lang="en-US" dirty="0"/>
             </a:br>
             <a:r>
               <a:rPr lang="en-US" sz="2000" b="0" strike="noStrike" spc="-1" dirty="0">
@@ -15842,7 +15783,7 @@
               </a:rPr>
               <a:t>           = HMI + Controller</a:t>
             </a:r>
-            <a:endParaRPr lang="en-GB" sz="2000" b="0" strike="noStrike" spc="-1" dirty="0">
+            <a:endParaRPr lang="en-US" sz="2000" b="0" strike="noStrike" spc="-1" dirty="0">
               <a:latin typeface="Arial"/>
             </a:endParaRPr>
           </a:p>
@@ -15869,7 +15810,7 @@
               </a:rPr>
               <a:t>HMI</a:t>
             </a:r>
-            <a:endParaRPr lang="en-GB" sz="2000" b="0" strike="noStrike" spc="-1" dirty="0">
+            <a:endParaRPr lang="en-US" sz="2000" b="0" strike="noStrike" spc="-1" dirty="0">
               <a:latin typeface="Arial"/>
             </a:endParaRPr>
           </a:p>
@@ -15914,7 +15855,7 @@
               </a:rPr>
               <a:t>(e.g., iPad) running a web-based application</a:t>
             </a:r>
-            <a:endParaRPr lang="en-GB" sz="1800" b="0" strike="noStrike" spc="-1" dirty="0">
+            <a:endParaRPr lang="en-US" sz="1800" b="0" strike="noStrike" spc="-1" dirty="0">
               <a:latin typeface="Arial"/>
             </a:endParaRPr>
           </a:p>
@@ -15950,7 +15891,7 @@
               </a:rPr>
               <a:t>requires internet connection</a:t>
             </a:r>
-            <a:endParaRPr lang="en-GB" sz="1800" b="0" strike="noStrike" spc="-1" dirty="0">
+            <a:endParaRPr lang="en-US" sz="1800" b="0" strike="noStrike" spc="-1" dirty="0">
               <a:latin typeface="Arial"/>
             </a:endParaRPr>
           </a:p>
@@ -15977,7 +15918,7 @@
               </a:rPr>
               <a:t>Controller</a:t>
             </a:r>
-            <a:endParaRPr lang="en-GB" sz="2000" b="0" strike="noStrike" spc="-1" dirty="0">
+            <a:endParaRPr lang="en-US" sz="2000" b="0" strike="noStrike" spc="-1" dirty="0">
               <a:latin typeface="Arial"/>
             </a:endParaRPr>
           </a:p>
@@ -16022,7 +15963,7 @@
               </a:rPr>
               <a:t>" used both for safety and remote manual control</a:t>
             </a:r>
-            <a:endParaRPr lang="en-GB" sz="1800" b="0" strike="noStrike" spc="-1" dirty="0">
+            <a:endParaRPr lang="en-US" sz="1800" b="0" strike="noStrike" spc="-1" dirty="0">
               <a:latin typeface="Arial"/>
             </a:endParaRPr>
           </a:p>
@@ -16069,7 +16010,7 @@
               </a:rPr>
               <a:t>Innovation: Data Platform for Precision Agriculture</a:t>
             </a:r>
-            <a:endParaRPr lang="en-GB" sz="2600" b="0" strike="noStrike" spc="-1" dirty="0">
+            <a:endParaRPr lang="en-US" sz="2600" b="0" strike="noStrike" spc="-1" dirty="0">
               <a:latin typeface="Arial"/>
             </a:endParaRPr>
           </a:p>
@@ -19351,10 +19292,9 @@
           <a:lstStyle/>
           <a:p>
             <a:r>
-              <a:rPr lang="it-IT" dirty="0"/>
+              <a:rPr lang="en-US" dirty="0"/>
               <a:t>Smart Data Models</a:t>
             </a:r>
-            <a:endParaRPr lang="en-US" dirty="0"/>
           </a:p>
         </p:txBody>
       </p:sp>
@@ -19572,12 +19512,12 @@
               <a:t>E.g., </a:t>
             </a:r>
             <a:r>
-              <a:rPr lang="en-US"/>
-              <a:t>AgriFood, </a:t>
+              <a:rPr lang="en-US" dirty="0" err="1"/>
+              <a:t>AgriFood</a:t>
             </a:r>
             <a:r>
               <a:rPr lang="en-US" dirty="0"/>
-              <a:t>Robotics, </a:t>
+              <a:t>, Robotics, </a:t>
             </a:r>
             <a:r>
               <a:rPr lang="en-US" dirty="0" err="1"/>
@@ -23955,7 +23895,7 @@
           <a:lstStyle/>
           <a:p>
             <a:r>
-              <a:rPr lang="it-IT" dirty="0"/>
+              <a:rPr lang="en-US" dirty="0"/>
               <a:t>Cloud and Economy of Scale</a:t>
             </a:r>
             <a:endParaRPr lang="en-US" noProof="0" dirty="0"/>
@@ -25599,14 +25539,208 @@
           <a:lstStyle/>
           <a:p>
             <a:r>
-              <a:rPr lang="it-IT" dirty="0"/>
+              <a:rPr lang="en-US" dirty="0"/>
               <a:t>Performance</a:t>
             </a:r>
+          </a:p>
+        </p:txBody>
+      </p:sp>
+    </p:spTree>
+  </p:cSld>
+  <p:clrMapOvr>
+    <a:masterClrMapping/>
+  </p:clrMapOvr>
+</p:sld>
+</file>
+
+<file path=ppt/slides/slide38.xml><?xml version="1.0" encoding="utf-8"?>
+<p:sld xmlns:a="http://schemas.openxmlformats.org/drawingml/2006/main" xmlns:r="http://schemas.openxmlformats.org/officeDocument/2006/relationships" xmlns:p="http://schemas.openxmlformats.org/presentationml/2006/main">
+  <p:cSld>
+    <p:spTree>
+      <p:nvGrpSpPr>
+        <p:cNvPr id="1" name=""/>
+        <p:cNvGrpSpPr/>
+        <p:nvPr/>
+      </p:nvGrpSpPr>
+      <p:grpSpPr>
+        <a:xfrm>
+          <a:off x="0" y="0"/>
+          <a:ext cx="0" cy="0"/>
+          <a:chOff x="0" y="0"/>
+          <a:chExt cx="0" cy="0"/>
+        </a:xfrm>
+      </p:grpSpPr>
+      <p:sp>
+        <p:nvSpPr>
+          <p:cNvPr id="2" name="Content Placeholder 1">
+            <a:extLst>
+              <a:ext uri="{FF2B5EF4-FFF2-40B4-BE49-F238E27FC236}">
+                <a16:creationId xmlns:a16="http://schemas.microsoft.com/office/drawing/2014/main" id="{91554F33-0D0B-4FFD-83F9-8D5E556636D4}"/>
+              </a:ext>
+            </a:extLst>
+          </p:cNvPr>
+          <p:cNvSpPr>
+            <a:spLocks noGrp="1"/>
+          </p:cNvSpPr>
+          <p:nvPr>
+            <p:ph idx="1"/>
+          </p:nvPr>
+        </p:nvSpPr>
+        <p:spPr>
+          <a:xfrm>
+            <a:off x="735062" y="1432542"/>
+            <a:ext cx="9221689" cy="5376416"/>
+          </a:xfrm>
+        </p:spPr>
+        <p:txBody>
+          <a:bodyPr/>
+          <a:lstStyle/>
+          <a:p>
+            <a:pPr lvl="1"/>
             <a:endParaRPr lang="en-US" dirty="0"/>
           </a:p>
+          <a:p>
+            <a:pPr lvl="1"/>
+            <a:endParaRPr lang="en-US" dirty="0"/>
+          </a:p>
+          <a:p>
+            <a:pPr lvl="1"/>
+            <a:r>
+              <a:rPr lang="en-US" dirty="0"/>
+              <a:t>Vitali, G, et al. "Crop management with the IoT: An interdisciplinary survey." </a:t>
+            </a:r>
+            <a:r>
+              <a:rPr lang="en-US" b="1" dirty="0"/>
+              <a:t>Agronomy</a:t>
+            </a:r>
+            <a:r>
+              <a:rPr lang="en-US" dirty="0"/>
+              <a:t> (2021)</a:t>
+            </a:r>
+          </a:p>
+          <a:p>
+            <a:pPr lvl="1"/>
+            <a:endParaRPr lang="en-US" dirty="0"/>
+          </a:p>
+          <a:p>
+            <a:pPr lvl="1"/>
+            <a:r>
+              <a:rPr lang="en-US" dirty="0"/>
+              <a:t>Francia, M., et al. "Making data platforms smarter with MOSES." </a:t>
+            </a:r>
+            <a:r>
+              <a:rPr lang="en-US" b="1" dirty="0"/>
+              <a:t>Future Generation Computer Systems </a:t>
+            </a:r>
+            <a:r>
+              <a:rPr lang="en-US" dirty="0"/>
+              <a:t>(2021)</a:t>
+            </a:r>
+          </a:p>
+          <a:p>
+            <a:pPr lvl="1"/>
+            <a:endParaRPr lang="en-US" dirty="0"/>
+          </a:p>
+          <a:p>
+            <a:pPr lvl="1"/>
+            <a:r>
+              <a:rPr lang="en-US" dirty="0"/>
+              <a:t>Francia, M., et al. "Multi-sensor profiling for precision soil-moisture monitoring.“ </a:t>
+            </a:r>
+            <a:r>
+              <a:rPr lang="en-US" b="1" dirty="0"/>
+              <a:t>Computers and Electronics in Agriculture </a:t>
+            </a:r>
+            <a:r>
+              <a:rPr lang="en-US" dirty="0"/>
+              <a:t>(2022)</a:t>
+            </a:r>
+          </a:p>
+          <a:p>
+            <a:pPr lvl="1"/>
+            <a:endParaRPr lang="en-US" dirty="0"/>
+          </a:p>
+          <a:p>
+            <a:pPr lvl="1"/>
+            <a:r>
+              <a:rPr lang="en-US" dirty="0"/>
+              <a:t>Emmi, L., et al. "</a:t>
+            </a:r>
+            <a:r>
+              <a:rPr lang="en-US" dirty="0" err="1"/>
+              <a:t>Exploiting</a:t>
+            </a:r>
+            <a:r>
+              <a:rPr lang="en-US" dirty="0"/>
+              <a:t> the Internet </a:t>
+            </a:r>
+            <a:r>
+              <a:rPr lang="en-US" dirty="0" err="1"/>
+              <a:t>Resources</a:t>
+            </a:r>
+            <a:r>
+              <a:rPr lang="en-US" dirty="0"/>
+              <a:t> for </a:t>
+            </a:r>
+            <a:r>
+              <a:rPr lang="en-US" dirty="0" err="1"/>
+              <a:t>Autonomous</a:t>
+            </a:r>
+            <a:r>
+              <a:rPr lang="en-US" dirty="0"/>
+              <a:t> Robots in Agriculture." </a:t>
+            </a:r>
+            <a:r>
+              <a:rPr lang="en-US" b="1" dirty="0"/>
+              <a:t>Agriculture</a:t>
+            </a:r>
+            <a:r>
+              <a:rPr lang="en-US" dirty="0"/>
+              <a:t> (2023)</a:t>
+            </a:r>
+          </a:p>
+        </p:txBody>
+      </p:sp>
+      <p:sp>
+        <p:nvSpPr>
+          <p:cNvPr id="3" name="Title 2">
+            <a:extLst>
+              <a:ext uri="{FF2B5EF4-FFF2-40B4-BE49-F238E27FC236}">
+                <a16:creationId xmlns:a16="http://schemas.microsoft.com/office/drawing/2014/main" id="{17FEDD84-CD55-4A77-AA47-BE3FC95FF4D5}"/>
+              </a:ext>
+            </a:extLst>
+          </p:cNvPr>
+          <p:cNvSpPr>
+            <a:spLocks noGrp="1"/>
+          </p:cNvSpPr>
+          <p:nvPr>
+            <p:ph type="title"/>
+          </p:nvPr>
+        </p:nvSpPr>
+        <p:spPr>
+          <a:xfrm>
+            <a:off x="1718709" y="458473"/>
+            <a:ext cx="8858165" cy="481754"/>
+          </a:xfrm>
+        </p:spPr>
+        <p:txBody>
+          <a:bodyPr/>
+          <a:lstStyle/>
+          <a:p>
+            <a:r>
+              <a:rPr lang="en-US" dirty="0" err="1"/>
+              <a:t>References</a:t>
+            </a:r>
+            <a:endParaRPr lang="en-US" dirty="0"/>
+          </a:p>
         </p:txBody>
       </p:sp>
     </p:spTree>
+    <p:extLst>
+      <p:ext uri="{BB962C8B-B14F-4D97-AF65-F5344CB8AC3E}">
+        <p14:creationId xmlns:p14="http://schemas.microsoft.com/office/powerpoint/2010/main" val="2257217126"/>
+      </p:ext>
+    </p:extLst>
   </p:cSld>
   <p:clrMapOvr>
     <a:masterClrMapping/>
